--- a/e2etests-cli/testdata/TestCLI_E2E/no-nav-pptx.exp.pptx
+++ b/e2etests-cli/testdata/TestCLI_E2E/no-nav-pptx.exp.pptx
@@ -3128,8 +3128,8 @@
         </p:blipFill>
         <p:spPr>
           <a:xfrm>
-            <a:off x="1283074" y="0"/>
-            <a:ext cx="6577852" cy="5143500"/>
+            <a:off x="1467971" y="0"/>
+            <a:ext cx="6208058" cy="5143500"/>
           </a:xfrm>
           <a:prstGeom prst="rect">
             <a:avLst/>
@@ -3186,8 +3186,8 @@
         </p:nvSpPr>
         <p:spPr>
           <a:xfrm>
-            <a:off x="2392456" y="1299882"/>
-            <a:ext cx="2543308" cy="784280"/>
+            <a:off x="2577353" y="1299882"/>
+            <a:ext cx="2184780" cy="784280"/>
           </a:xfrm>
           <a:prstGeom prst="rect">
             <a:avLst/>
@@ -3212,8 +3212,8 @@
         </p:nvSpPr>
         <p:spPr>
           <a:xfrm>
-            <a:off x="5563720" y="1299882"/>
-            <a:ext cx="997156" cy="784280"/>
+            <a:off x="5390029" y="1299882"/>
+            <a:ext cx="638628" cy="784280"/>
           </a:xfrm>
           <a:prstGeom prst="rect">
             <a:avLst/>
@@ -3269,8 +3269,8 @@
         </p:blipFill>
         <p:spPr>
           <a:xfrm>
-            <a:off x="2000250" y="0"/>
-            <a:ext cx="5143500" cy="5143500"/>
+            <a:off x="2174606" y="0"/>
+            <a:ext cx="4794788" cy="5143500"/>
           </a:xfrm>
           <a:prstGeom prst="rect">
             <a:avLst/>
@@ -3327,8 +3327,8 @@
         </p:nvSpPr>
         <p:spPr>
           <a:xfrm>
-            <a:off x="3079077" y="1264080"/>
-            <a:ext cx="1307520" cy="762720"/>
+            <a:off x="3253433" y="1264080"/>
+            <a:ext cx="958848" cy="762720"/>
           </a:xfrm>
           <a:prstGeom prst="rect">
             <a:avLst/>
